--- a/python/module2/presentation/урок 6 модуль 2.pptx
+++ b/python/module2/presentation/урок 6 модуль 2.pptx
@@ -7,15 +7,11 @@
   <p:sldIdLst>
     <p:sldId id="298" r:id="rId2"/>
     <p:sldId id="316" r:id="rId3"/>
-    <p:sldId id="329" r:id="rId4"/>
-    <p:sldId id="330" r:id="rId5"/>
-    <p:sldId id="332" r:id="rId6"/>
-    <p:sldId id="333" r:id="rId7"/>
-    <p:sldId id="334" r:id="rId8"/>
-    <p:sldId id="337" r:id="rId9"/>
-    <p:sldId id="336" r:id="rId10"/>
-    <p:sldId id="338" r:id="rId11"/>
-    <p:sldId id="339" r:id="rId12"/>
+    <p:sldId id="334" r:id="rId4"/>
+    <p:sldId id="337" r:id="rId5"/>
+    <p:sldId id="336" r:id="rId6"/>
+    <p:sldId id="338" r:id="rId7"/>
+    <p:sldId id="339" r:id="rId8"/>
   </p:sldIdLst>
   <p:sldSz cx="12192000" cy="6858000"/>
   <p:notesSz cx="6858000" cy="9144000"/>
@@ -116,7 +112,7 @@
   </p:defaultTextStyle>
   <p:extLst>
     <p:ext uri="{EFAFB233-063F-42B5-8137-9DF3F51BA10A}">
-      <p15:sldGuideLst xmlns="" xmlns:p15="http://schemas.microsoft.com/office/powerpoint/2012/main">
+      <p15:sldGuideLst xmlns:p15="http://schemas.microsoft.com/office/powerpoint/2012/main" xmlns="">
         <p15:guide id="1" orient="horz" pos="2160">
           <p15:clr>
             <a:srgbClr val="A4A3A4"/>
@@ -858,7 +854,7 @@
             <a:fld id="{3CCF56C0-5008-4DB4-8698-E16469066013}" type="datetimeFigureOut">
               <a:rPr lang="ru-RU" smtClean="0"/>
               <a:pPr/>
-              <a:t>24.01.2021</a:t>
+              <a:t>31.01.2021</a:t>
             </a:fld>
             <a:endParaRPr lang="ru-RU" dirty="0"/>
           </a:p>
@@ -910,7 +906,7 @@
     </p:spTree>
     <p:extLst>
       <p:ext uri="{BB962C8B-B14F-4D97-AF65-F5344CB8AC3E}">
-        <p14:creationId xmlns="" xmlns:p14="http://schemas.microsoft.com/office/powerpoint/2010/main" val="4238684791"/>
+        <p14:creationId xmlns:p14="http://schemas.microsoft.com/office/powerpoint/2010/main" xmlns="" val="4238684791"/>
       </p:ext>
     </p:extLst>
   </p:cSld>
@@ -1111,7 +1107,7 @@
             <a:fld id="{3CCF56C0-5008-4DB4-8698-E16469066013}" type="datetimeFigureOut">
               <a:rPr lang="ru-RU" smtClean="0"/>
               <a:pPr/>
-              <a:t>24.01.2021</a:t>
+              <a:t>31.01.2021</a:t>
             </a:fld>
             <a:endParaRPr lang="ru-RU" dirty="0"/>
           </a:p>
@@ -1163,7 +1159,7 @@
     </p:spTree>
     <p:extLst>
       <p:ext uri="{BB962C8B-B14F-4D97-AF65-F5344CB8AC3E}">
-        <p14:creationId xmlns="" xmlns:p14="http://schemas.microsoft.com/office/powerpoint/2010/main" val="3509571314"/>
+        <p14:creationId xmlns:p14="http://schemas.microsoft.com/office/powerpoint/2010/main" xmlns="" val="3509571314"/>
       </p:ext>
     </p:extLst>
   </p:cSld>
@@ -1427,7 +1423,7 @@
             <a:fld id="{3CCF56C0-5008-4DB4-8698-E16469066013}" type="datetimeFigureOut">
               <a:rPr lang="ru-RU" smtClean="0"/>
               <a:pPr/>
-              <a:t>24.01.2021</a:t>
+              <a:t>31.01.2021</a:t>
             </a:fld>
             <a:endParaRPr lang="ru-RU" dirty="0"/>
           </a:p>
@@ -1555,7 +1551,7 @@
     </p:spTree>
     <p:extLst>
       <p:ext uri="{BB962C8B-B14F-4D97-AF65-F5344CB8AC3E}">
-        <p14:creationId xmlns="" xmlns:p14="http://schemas.microsoft.com/office/powerpoint/2010/main" val="913784525"/>
+        <p14:creationId xmlns:p14="http://schemas.microsoft.com/office/powerpoint/2010/main" xmlns="" val="913784525"/>
       </p:ext>
     </p:extLst>
   </p:cSld>
@@ -1756,7 +1752,7 @@
             <a:fld id="{3CCF56C0-5008-4DB4-8698-E16469066013}" type="datetimeFigureOut">
               <a:rPr lang="ru-RU" smtClean="0"/>
               <a:pPr/>
-              <a:t>24.01.2021</a:t>
+              <a:t>31.01.2021</a:t>
             </a:fld>
             <a:endParaRPr lang="ru-RU" dirty="0"/>
           </a:p>
@@ -1808,7 +1804,7 @@
     </p:spTree>
     <p:extLst>
       <p:ext uri="{BB962C8B-B14F-4D97-AF65-F5344CB8AC3E}">
-        <p14:creationId xmlns="" xmlns:p14="http://schemas.microsoft.com/office/powerpoint/2010/main" val="1237628931"/>
+        <p14:creationId xmlns:p14="http://schemas.microsoft.com/office/powerpoint/2010/main" xmlns="" val="1237628931"/>
       </p:ext>
     </p:extLst>
   </p:cSld>
@@ -2072,7 +2068,7 @@
             <a:fld id="{3CCF56C0-5008-4DB4-8698-E16469066013}" type="datetimeFigureOut">
               <a:rPr lang="ru-RU" smtClean="0"/>
               <a:pPr/>
-              <a:t>24.01.2021</a:t>
+              <a:t>31.01.2021</a:t>
             </a:fld>
             <a:endParaRPr lang="ru-RU" dirty="0"/>
           </a:p>
@@ -2200,7 +2196,7 @@
     </p:spTree>
     <p:extLst>
       <p:ext uri="{BB962C8B-B14F-4D97-AF65-F5344CB8AC3E}">
-        <p14:creationId xmlns="" xmlns:p14="http://schemas.microsoft.com/office/powerpoint/2010/main" val="4076467919"/>
+        <p14:creationId xmlns:p14="http://schemas.microsoft.com/office/powerpoint/2010/main" xmlns="" val="4076467919"/>
       </p:ext>
     </p:extLst>
   </p:cSld>
@@ -2461,7 +2457,7 @@
             <a:fld id="{3CCF56C0-5008-4DB4-8698-E16469066013}" type="datetimeFigureOut">
               <a:rPr lang="ru-RU" smtClean="0"/>
               <a:pPr/>
-              <a:t>24.01.2021</a:t>
+              <a:t>31.01.2021</a:t>
             </a:fld>
             <a:endParaRPr lang="ru-RU" dirty="0"/>
           </a:p>
@@ -2513,7 +2509,7 @@
     </p:spTree>
     <p:extLst>
       <p:ext uri="{BB962C8B-B14F-4D97-AF65-F5344CB8AC3E}">
-        <p14:creationId xmlns="" xmlns:p14="http://schemas.microsoft.com/office/powerpoint/2010/main" val="2010692"/>
+        <p14:creationId xmlns:p14="http://schemas.microsoft.com/office/powerpoint/2010/main" xmlns="" val="2010692"/>
       </p:ext>
     </p:extLst>
   </p:cSld>
@@ -2633,7 +2629,7 @@
             <a:fld id="{3CCF56C0-5008-4DB4-8698-E16469066013}" type="datetimeFigureOut">
               <a:rPr lang="ru-RU" smtClean="0"/>
               <a:pPr/>
-              <a:t>24.01.2021</a:t>
+              <a:t>31.01.2021</a:t>
             </a:fld>
             <a:endParaRPr lang="ru-RU" dirty="0"/>
           </a:p>
@@ -2685,7 +2681,7 @@
     </p:spTree>
     <p:extLst>
       <p:ext uri="{BB962C8B-B14F-4D97-AF65-F5344CB8AC3E}">
-        <p14:creationId xmlns="" xmlns:p14="http://schemas.microsoft.com/office/powerpoint/2010/main" val="1184326843"/>
+        <p14:creationId xmlns:p14="http://schemas.microsoft.com/office/powerpoint/2010/main" xmlns="" val="1184326843"/>
       </p:ext>
     </p:extLst>
   </p:cSld>
@@ -2815,7 +2811,7 @@
             <a:fld id="{3CCF56C0-5008-4DB4-8698-E16469066013}" type="datetimeFigureOut">
               <a:rPr lang="ru-RU" smtClean="0"/>
               <a:pPr/>
-              <a:t>24.01.2021</a:t>
+              <a:t>31.01.2021</a:t>
             </a:fld>
             <a:endParaRPr lang="ru-RU" dirty="0"/>
           </a:p>
@@ -2867,7 +2863,7 @@
     </p:spTree>
     <p:extLst>
       <p:ext uri="{BB962C8B-B14F-4D97-AF65-F5344CB8AC3E}">
-        <p14:creationId xmlns="" xmlns:p14="http://schemas.microsoft.com/office/powerpoint/2010/main" val="529529951"/>
+        <p14:creationId xmlns:p14="http://schemas.microsoft.com/office/powerpoint/2010/main" xmlns="" val="529529951"/>
       </p:ext>
     </p:extLst>
   </p:cSld>
@@ -2993,7 +2989,7 @@
             <a:fld id="{3CCF56C0-5008-4DB4-8698-E16469066013}" type="datetimeFigureOut">
               <a:rPr lang="ru-RU" smtClean="0"/>
               <a:pPr/>
-              <a:t>24.01.2021</a:t>
+              <a:t>31.01.2021</a:t>
             </a:fld>
             <a:endParaRPr lang="ru-RU" dirty="0"/>
           </a:p>
@@ -3045,7 +3041,7 @@
     </p:spTree>
     <p:extLst>
       <p:ext uri="{BB962C8B-B14F-4D97-AF65-F5344CB8AC3E}">
-        <p14:creationId xmlns="" xmlns:p14="http://schemas.microsoft.com/office/powerpoint/2010/main" val="1794803828"/>
+        <p14:creationId xmlns:p14="http://schemas.microsoft.com/office/powerpoint/2010/main" xmlns="" val="1794803828"/>
       </p:ext>
     </p:extLst>
   </p:cSld>
@@ -3242,7 +3238,7 @@
             <a:fld id="{3CCF56C0-5008-4DB4-8698-E16469066013}" type="datetimeFigureOut">
               <a:rPr lang="ru-RU" smtClean="0"/>
               <a:pPr/>
-              <a:t>24.01.2021</a:t>
+              <a:t>31.01.2021</a:t>
             </a:fld>
             <a:endParaRPr lang="ru-RU" dirty="0"/>
           </a:p>
@@ -3294,7 +3290,7 @@
     </p:spTree>
     <p:extLst>
       <p:ext uri="{BB962C8B-B14F-4D97-AF65-F5344CB8AC3E}">
-        <p14:creationId xmlns="" xmlns:p14="http://schemas.microsoft.com/office/powerpoint/2010/main" val="1622354848"/>
+        <p14:creationId xmlns:p14="http://schemas.microsoft.com/office/powerpoint/2010/main" xmlns="" val="1622354848"/>
       </p:ext>
     </p:extLst>
   </p:cSld>
@@ -3476,7 +3472,7 @@
             <a:fld id="{3CCF56C0-5008-4DB4-8698-E16469066013}" type="datetimeFigureOut">
               <a:rPr lang="ru-RU" smtClean="0"/>
               <a:pPr/>
-              <a:t>24.01.2021</a:t>
+              <a:t>31.01.2021</a:t>
             </a:fld>
             <a:endParaRPr lang="ru-RU" dirty="0"/>
           </a:p>
@@ -3528,7 +3524,7 @@
     </p:spTree>
     <p:extLst>
       <p:ext uri="{BB962C8B-B14F-4D97-AF65-F5344CB8AC3E}">
-        <p14:creationId xmlns="" xmlns:p14="http://schemas.microsoft.com/office/powerpoint/2010/main" val="2665461008"/>
+        <p14:creationId xmlns:p14="http://schemas.microsoft.com/office/powerpoint/2010/main" xmlns="" val="2665461008"/>
       </p:ext>
     </p:extLst>
   </p:cSld>
@@ -3852,7 +3848,7 @@
             <a:fld id="{3CCF56C0-5008-4DB4-8698-E16469066013}" type="datetimeFigureOut">
               <a:rPr lang="ru-RU" smtClean="0"/>
               <a:pPr/>
-              <a:t>24.01.2021</a:t>
+              <a:t>31.01.2021</a:t>
             </a:fld>
             <a:endParaRPr lang="ru-RU" dirty="0"/>
           </a:p>
@@ -3904,7 +3900,7 @@
     </p:spTree>
     <p:extLst>
       <p:ext uri="{BB962C8B-B14F-4D97-AF65-F5344CB8AC3E}">
-        <p14:creationId xmlns="" xmlns:p14="http://schemas.microsoft.com/office/powerpoint/2010/main" val="2514946757"/>
+        <p14:creationId xmlns:p14="http://schemas.microsoft.com/office/powerpoint/2010/main" xmlns="" val="2514946757"/>
       </p:ext>
     </p:extLst>
   </p:cSld>
@@ -3977,7 +3973,7 @@
             <a:fld id="{3CCF56C0-5008-4DB4-8698-E16469066013}" type="datetimeFigureOut">
               <a:rPr lang="ru-RU" smtClean="0"/>
               <a:pPr/>
-              <a:t>24.01.2021</a:t>
+              <a:t>31.01.2021</a:t>
             </a:fld>
             <a:endParaRPr lang="ru-RU" dirty="0"/>
           </a:p>
@@ -4029,7 +4025,7 @@
     </p:spTree>
     <p:extLst>
       <p:ext uri="{BB962C8B-B14F-4D97-AF65-F5344CB8AC3E}">
-        <p14:creationId xmlns="" xmlns:p14="http://schemas.microsoft.com/office/powerpoint/2010/main" val="1009674793"/>
+        <p14:creationId xmlns:p14="http://schemas.microsoft.com/office/powerpoint/2010/main" xmlns="" val="1009674793"/>
       </p:ext>
     </p:extLst>
   </p:cSld>
@@ -4074,7 +4070,7 @@
             <a:fld id="{3CCF56C0-5008-4DB4-8698-E16469066013}" type="datetimeFigureOut">
               <a:rPr lang="ru-RU" smtClean="0"/>
               <a:pPr/>
-              <a:t>24.01.2021</a:t>
+              <a:t>31.01.2021</a:t>
             </a:fld>
             <a:endParaRPr lang="ru-RU" dirty="0"/>
           </a:p>
@@ -4126,7 +4122,7 @@
     </p:spTree>
     <p:extLst>
       <p:ext uri="{BB962C8B-B14F-4D97-AF65-F5344CB8AC3E}">
-        <p14:creationId xmlns="" xmlns:p14="http://schemas.microsoft.com/office/powerpoint/2010/main" val="37853350"/>
+        <p14:creationId xmlns:p14="http://schemas.microsoft.com/office/powerpoint/2010/main" xmlns="" val="37853350"/>
       </p:ext>
     </p:extLst>
   </p:cSld>
@@ -4331,7 +4327,7 @@
             <a:fld id="{3CCF56C0-5008-4DB4-8698-E16469066013}" type="datetimeFigureOut">
               <a:rPr lang="ru-RU" smtClean="0"/>
               <a:pPr/>
-              <a:t>24.01.2021</a:t>
+              <a:t>31.01.2021</a:t>
             </a:fld>
             <a:endParaRPr lang="ru-RU" dirty="0"/>
           </a:p>
@@ -4383,7 +4379,7 @@
     </p:spTree>
     <p:extLst>
       <p:ext uri="{BB962C8B-B14F-4D97-AF65-F5344CB8AC3E}">
-        <p14:creationId xmlns="" xmlns:p14="http://schemas.microsoft.com/office/powerpoint/2010/main" val="1485505807"/>
+        <p14:creationId xmlns:p14="http://schemas.microsoft.com/office/powerpoint/2010/main" xmlns="" val="1485505807"/>
       </p:ext>
     </p:extLst>
   </p:cSld>
@@ -4596,7 +4592,7 @@
             <a:fld id="{3CCF56C0-5008-4DB4-8698-E16469066013}" type="datetimeFigureOut">
               <a:rPr lang="ru-RU" smtClean="0"/>
               <a:pPr/>
-              <a:t>24.01.2021</a:t>
+              <a:t>31.01.2021</a:t>
             </a:fld>
             <a:endParaRPr lang="ru-RU" dirty="0"/>
           </a:p>
@@ -4648,7 +4644,7 @@
     </p:spTree>
     <p:extLst>
       <p:ext uri="{BB962C8B-B14F-4D97-AF65-F5344CB8AC3E}">
-        <p14:creationId xmlns="" xmlns:p14="http://schemas.microsoft.com/office/powerpoint/2010/main" val="1525686664"/>
+        <p14:creationId xmlns:p14="http://schemas.microsoft.com/office/powerpoint/2010/main" xmlns="" val="1525686664"/>
       </p:ext>
     </p:extLst>
   </p:cSld>
@@ -5343,7 +5339,7 @@
             <a:fld id="{3CCF56C0-5008-4DB4-8698-E16469066013}" type="datetimeFigureOut">
               <a:rPr lang="ru-RU" smtClean="0"/>
               <a:pPr/>
-              <a:t>24.01.2021</a:t>
+              <a:t>31.01.2021</a:t>
             </a:fld>
             <a:endParaRPr lang="ru-RU" dirty="0"/>
           </a:p>
@@ -5429,7 +5425,7 @@
     </p:spTree>
     <p:extLst>
       <p:ext uri="{BB962C8B-B14F-4D97-AF65-F5344CB8AC3E}">
-        <p14:creationId xmlns="" xmlns:p14="http://schemas.microsoft.com/office/powerpoint/2010/main" val="2523392475"/>
+        <p14:creationId xmlns:p14="http://schemas.microsoft.com/office/powerpoint/2010/main" xmlns="" val="2523392475"/>
       </p:ext>
     </p:extLst>
   </p:cSld>
@@ -5929,7 +5925,7 @@
     </p:spTree>
     <p:extLst>
       <p:ext uri="{BB962C8B-B14F-4D97-AF65-F5344CB8AC3E}">
-        <p14:creationId xmlns="" xmlns:p14="http://schemas.microsoft.com/office/powerpoint/2010/main" val="1354132756"/>
+        <p14:creationId xmlns:p14="http://schemas.microsoft.com/office/powerpoint/2010/main" xmlns="" val="1354132756"/>
       </p:ext>
     </p:extLst>
   </p:cSld>
@@ -5943,234 +5939,6 @@
       </p:par>
     </p:tnLst>
   </p:timing>
-</p:sld>
-</file>
-
-<file path=ppt/slides/slide10.xml><?xml version="1.0" encoding="utf-8"?>
-<p:sld xmlns:a="http://schemas.openxmlformats.org/drawingml/2006/main" xmlns:r="http://schemas.openxmlformats.org/officeDocument/2006/relationships" xmlns:p="http://schemas.openxmlformats.org/presentationml/2006/main">
-  <p:cSld>
-    <p:spTree>
-      <p:nvGrpSpPr>
-        <p:cNvPr id="1" name=""/>
-        <p:cNvGrpSpPr/>
-        <p:nvPr/>
-      </p:nvGrpSpPr>
-      <p:grpSpPr>
-        <a:xfrm>
-          <a:off x="0" y="0"/>
-          <a:ext cx="0" cy="0"/>
-          <a:chOff x="0" y="0"/>
-          <a:chExt cx="0" cy="0"/>
-        </a:xfrm>
-      </p:grpSpPr>
-      <p:sp>
-        <p:nvSpPr>
-          <p:cNvPr id="2" name="Заголовок 1"/>
-          <p:cNvSpPr>
-            <a:spLocks noGrp="1"/>
-          </p:cNvSpPr>
-          <p:nvPr>
-            <p:ph type="title"/>
-          </p:nvPr>
-        </p:nvSpPr>
-        <p:spPr/>
-        <p:txBody>
-          <a:bodyPr/>
-          <a:lstStyle/>
-          <a:p>
-            <a:r>
-              <a:rPr lang="ru-RU" dirty="0" smtClean="0"/>
-              <a:t>Задание</a:t>
-            </a:r>
-            <a:endParaRPr lang="ru-RU" dirty="0"/>
-          </a:p>
-        </p:txBody>
-      </p:sp>
-      <p:sp>
-        <p:nvSpPr>
-          <p:cNvPr id="3" name="Содержимое 2"/>
-          <p:cNvSpPr>
-            <a:spLocks noGrp="1"/>
-          </p:cNvSpPr>
-          <p:nvPr>
-            <p:ph idx="1"/>
-          </p:nvPr>
-        </p:nvSpPr>
-        <p:spPr/>
-        <p:txBody>
-          <a:bodyPr/>
-          <a:lstStyle/>
-          <a:p>
-            <a:r>
-              <a:rPr lang="ru-RU" dirty="0" smtClean="0"/>
-              <a:t>Здесь стало заметно, что есть параметры, которые </a:t>
-            </a:r>
-            <a:r>
-              <a:rPr lang="ru-RU" dirty="0" smtClean="0"/>
-              <a:t>повторяются как в методе </a:t>
-            </a:r>
-            <a:r>
-              <a:rPr lang="en-US" dirty="0" smtClean="0"/>
-              <a:t>get_data, </a:t>
-            </a:r>
-            <a:r>
-              <a:rPr lang="ru-RU" dirty="0" smtClean="0"/>
-              <a:t>так и в методе </a:t>
-            </a:r>
-            <a:r>
-              <a:rPr lang="en-US" dirty="0" smtClean="0"/>
-              <a:t>like</a:t>
-            </a:r>
-            <a:endParaRPr lang="ru-RU" dirty="0" smtClean="0"/>
-          </a:p>
-          <a:p>
-            <a:r>
-              <a:rPr lang="ru-RU" dirty="0" smtClean="0"/>
-              <a:t>Сформиру</a:t>
-            </a:r>
-            <a:r>
-              <a:rPr lang="ru-RU" dirty="0" smtClean="0"/>
-              <a:t>йте</a:t>
-            </a:r>
-            <a:r>
-              <a:rPr lang="ru-RU" dirty="0" smtClean="0"/>
-              <a:t> </a:t>
-            </a:r>
-            <a:r>
-              <a:rPr lang="ru-RU" dirty="0" smtClean="0"/>
-              <a:t>из них переменную </a:t>
-            </a:r>
-            <a:r>
-              <a:rPr lang="en-US" dirty="0" err="1" smtClean="0"/>
-              <a:t>base_params</a:t>
-            </a:r>
-            <a:r>
-              <a:rPr lang="ru-RU" dirty="0" smtClean="0"/>
-              <a:t> </a:t>
-            </a:r>
-            <a:r>
-              <a:rPr lang="ru-RU" dirty="0" smtClean="0"/>
-              <a:t>которая будет находиться в методе </a:t>
-            </a:r>
-            <a:r>
-              <a:rPr lang="en-US" dirty="0" smtClean="0"/>
-              <a:t>__init__</a:t>
-            </a:r>
-            <a:endParaRPr lang="ru-RU" dirty="0"/>
-          </a:p>
-        </p:txBody>
-      </p:sp>
-    </p:spTree>
-  </p:cSld>
-  <p:clrMapOvr>
-    <a:masterClrMapping/>
-  </p:clrMapOvr>
-</p:sld>
-</file>
-
-<file path=ppt/slides/slide11.xml><?xml version="1.0" encoding="utf-8"?>
-<p:sld xmlns:a="http://schemas.openxmlformats.org/drawingml/2006/main" xmlns:r="http://schemas.openxmlformats.org/officeDocument/2006/relationships" xmlns:p="http://schemas.openxmlformats.org/presentationml/2006/main">
-  <p:cSld>
-    <p:spTree>
-      <p:nvGrpSpPr>
-        <p:cNvPr id="1" name=""/>
-        <p:cNvGrpSpPr/>
-        <p:nvPr/>
-      </p:nvGrpSpPr>
-      <p:grpSpPr>
-        <a:xfrm>
-          <a:off x="0" y="0"/>
-          <a:ext cx="0" cy="0"/>
-          <a:chOff x="0" y="0"/>
-          <a:chExt cx="0" cy="0"/>
-        </a:xfrm>
-      </p:grpSpPr>
-      <p:sp>
-        <p:nvSpPr>
-          <p:cNvPr id="2" name="Заголовок 1"/>
-          <p:cNvSpPr>
-            <a:spLocks noGrp="1"/>
-          </p:cNvSpPr>
-          <p:nvPr>
-            <p:ph type="title"/>
-          </p:nvPr>
-        </p:nvSpPr>
-        <p:spPr/>
-        <p:txBody>
-          <a:bodyPr/>
-          <a:lstStyle/>
-          <a:p>
-            <a:r>
-              <a:rPr lang="ru-RU" dirty="0" smtClean="0"/>
-              <a:t>Задание</a:t>
-            </a:r>
-            <a:endParaRPr lang="ru-RU" dirty="0"/>
-          </a:p>
-        </p:txBody>
-      </p:sp>
-      <p:sp>
-        <p:nvSpPr>
-          <p:cNvPr id="3" name="Содержимое 2"/>
-          <p:cNvSpPr>
-            <a:spLocks noGrp="1"/>
-          </p:cNvSpPr>
-          <p:nvPr>
-            <p:ph idx="1"/>
-          </p:nvPr>
-        </p:nvSpPr>
-        <p:spPr/>
-        <p:txBody>
-          <a:bodyPr/>
-          <a:lstStyle/>
-          <a:p>
-            <a:r>
-              <a:rPr lang="ru-RU" dirty="0" smtClean="0"/>
-              <a:t>Улучшите метод </a:t>
-            </a:r>
-            <a:r>
-              <a:rPr lang="en-US" dirty="0" smtClean="0"/>
-              <a:t>like:</a:t>
-            </a:r>
-          </a:p>
-          <a:p>
-            <a:pPr lvl="1"/>
-            <a:r>
-              <a:rPr lang="ru-RU" dirty="0" smtClean="0"/>
-              <a:t>Добавьте условие при котором бот не будет лайкать пост если у него уже стоит </a:t>
-            </a:r>
-            <a:r>
-              <a:rPr lang="ru-RU" dirty="0" err="1" smtClean="0"/>
-              <a:t>лайк</a:t>
-            </a:r>
-            <a:endParaRPr lang="ru-RU" dirty="0" smtClean="0"/>
-          </a:p>
-          <a:p>
-            <a:pPr lvl="1"/>
-            <a:r>
-              <a:rPr lang="ru-RU" dirty="0" smtClean="0"/>
-              <a:t>Сделайте так, что бы метод возвращал число постов</a:t>
-            </a:r>
-            <a:r>
-              <a:rPr lang="ru-RU" smtClean="0"/>
-              <a:t>, которые </a:t>
-            </a:r>
-            <a:r>
-              <a:rPr lang="ru-RU" dirty="0" smtClean="0"/>
-              <a:t>он </a:t>
-            </a:r>
-            <a:r>
-              <a:rPr lang="ru-RU" dirty="0" err="1" smtClean="0"/>
-              <a:t>лайкнул</a:t>
-            </a:r>
-            <a:endParaRPr lang="ru-RU" dirty="0"/>
-          </a:p>
-        </p:txBody>
-      </p:sp>
-    </p:spTree>
-  </p:cSld>
-  <p:clrMapOvr>
-    <a:masterClrMapping/>
-  </p:clrMapOvr>
 </p:sld>
 </file>
 
@@ -6231,24 +5999,23 @@
           <a:p>
             <a:r>
               <a:rPr lang="en-US" dirty="0" smtClean="0"/>
-              <a:t>json</a:t>
+              <a:t>l</a:t>
+            </a:r>
+            <a:r>
+              <a:rPr lang="en-US" dirty="0" smtClean="0"/>
+              <a:t>ikes.add</a:t>
             </a:r>
             <a:endParaRPr lang="ru-RU" dirty="0" smtClean="0"/>
           </a:p>
           <a:p>
             <a:r>
               <a:rPr lang="ru-RU" dirty="0" smtClean="0"/>
-              <a:t>Коды ответа</a:t>
-            </a:r>
-          </a:p>
-          <a:p>
-            <a:r>
-              <a:rPr lang="en-US" dirty="0" smtClean="0"/>
-              <a:t>json</a:t>
-            </a:r>
-            <a:endParaRPr lang="ru-RU" dirty="0" smtClean="0"/>
-          </a:p>
-          <a:p>
+              <a:t>Коды </a:t>
+            </a:r>
+            <a:r>
+              <a:rPr lang="ru-RU" dirty="0" smtClean="0"/>
+              <a:t>ответа</a:t>
+            </a:r>
             <a:endParaRPr lang="ru-RU" dirty="0" smtClean="0"/>
           </a:p>
           <a:p>
@@ -6291,88 +6058,236 @@
             <p:ph type="title"/>
           </p:nvPr>
         </p:nvSpPr>
+        <p:spPr/>
+        <p:txBody>
+          <a:bodyPr/>
+          <a:lstStyle/>
+          <a:p>
+            <a:r>
+              <a:rPr lang="en-US" dirty="0" smtClean="0"/>
+              <a:t>likes.add?</a:t>
+            </a:r>
+            <a:endParaRPr lang="ru-RU" dirty="0"/>
+          </a:p>
+        </p:txBody>
+      </p:sp>
+      <p:sp>
+        <p:nvSpPr>
+          <p:cNvPr id="3" name="Содержимое 2"/>
+          <p:cNvSpPr>
+            <a:spLocks noGrp="1"/>
+          </p:cNvSpPr>
+          <p:nvPr>
+            <p:ph idx="1"/>
+          </p:nvPr>
+        </p:nvSpPr>
         <p:spPr>
           <a:xfrm>
-            <a:off x="677334" y="609600"/>
-            <a:ext cx="8596668" cy="951781"/>
+            <a:off x="677334" y="1440611"/>
+            <a:ext cx="8596668" cy="4600751"/>
           </a:xfrm>
         </p:spPr>
         <p:txBody>
           <a:bodyPr/>
           <a:lstStyle/>
           <a:p>
+            <a:pPr marL="0">
+              <a:buNone/>
+            </a:pPr>
             <a:r>
               <a:rPr lang="ru-RU" dirty="0" smtClean="0"/>
-              <a:t>Общая информация о </a:t>
+              <a:t>Теперь, когда у нас есть </a:t>
             </a:r>
             <a:r>
               <a:rPr lang="en-US" dirty="0" smtClean="0"/>
-              <a:t>json </a:t>
+              <a:t>id </a:t>
             </a:r>
             <a:r>
               <a:rPr lang="ru-RU" dirty="0" smtClean="0"/>
-              <a:t>ответах</a:t>
-            </a:r>
-            <a:endParaRPr lang="ru-RU" dirty="0"/>
-          </a:p>
-        </p:txBody>
-      </p:sp>
-      <p:sp>
-        <p:nvSpPr>
-          <p:cNvPr id="3" name="Содержимое 2"/>
-          <p:cNvSpPr>
-            <a:spLocks noGrp="1"/>
-          </p:cNvSpPr>
-          <p:nvPr>
-            <p:ph idx="1"/>
-          </p:nvPr>
-        </p:nvSpPr>
-        <p:spPr>
-          <a:xfrm>
-            <a:off x="677334" y="2027208"/>
-            <a:ext cx="8596668" cy="4408098"/>
-          </a:xfrm>
-        </p:spPr>
-        <p:txBody>
-          <a:bodyPr/>
-          <a:lstStyle/>
-          <a:p>
+              <a:t>объекта мы можем поставить ему </a:t>
+            </a:r>
+            <a:r>
+              <a:rPr lang="ru-RU" dirty="0" err="1" smtClean="0"/>
+              <a:t>лайк</a:t>
+            </a:r>
             <a:r>
               <a:rPr lang="ru-RU" dirty="0" smtClean="0"/>
-              <a:t>Иногда </a:t>
+              <a:t> (добавить объект в список понравившихся, данного пользователя):</a:t>
+            </a:r>
+          </a:p>
+          <a:p>
+            <a:r>
+              <a:rPr lang="ru-RU" dirty="0" smtClean="0"/>
+              <a:t>Для этого вытащим </a:t>
             </a:r>
             <a:r>
               <a:rPr lang="en-US" dirty="0" smtClean="0"/>
-              <a:t>Json </a:t>
+              <a:t>base_url </a:t>
             </a:r>
             <a:r>
               <a:rPr lang="ru-RU" dirty="0" smtClean="0"/>
-              <a:t>ответы выглядят на первый взгляд сложно, но по сути они представляют собой древо из информации.</a:t>
+              <a:t>из класса бот, </a:t>
             </a:r>
           </a:p>
           <a:p>
             <a:r>
               <a:rPr lang="ru-RU" dirty="0" smtClean="0"/>
-              <a:t>А это значит, что если знать что искать, то задача упрощается.</a:t>
-            </a:r>
+              <a:t>Добавим к нему метод </a:t>
+            </a:r>
+            <a:r>
+              <a:rPr lang="en-US" dirty="0" smtClean="0"/>
+              <a:t>likes.add?</a:t>
+            </a:r>
+            <a:endParaRPr lang="ru-RU" dirty="0" smtClean="0"/>
           </a:p>
           <a:p>
             <a:r>
               <a:rPr lang="ru-RU" dirty="0" smtClean="0"/>
-              <a:t>Так же нужно понимать, что </a:t>
-            </a:r>
-            <a:r>
-              <a:rPr lang="en-US" dirty="0" err="1" smtClean="0"/>
-              <a:t>vk</a:t>
-            </a:r>
+              <a:t>Добавим параметры метода</a:t>
+            </a:r>
+          </a:p>
+          <a:p>
+            <a:pPr marL="0">
+              <a:buNone/>
+            </a:pPr>
             <a:r>
               <a:rPr lang="en-US" dirty="0" smtClean="0"/>
-              <a:t> </a:t>
+              <a:t>type=	</a:t>
             </a:r>
             <a:r>
               <a:rPr lang="ru-RU" dirty="0" smtClean="0"/>
-              <a:t>предоставляет только открытую информацию - то что пользователи скрывают от посторонних, не будет возвращаться в ответе.</a:t>
-            </a:r>
+              <a:t>(принимает тип объекта, который будем лайкать, например: </a:t>
+            </a:r>
+            <a:endParaRPr lang="en-US" dirty="0" smtClean="0"/>
+          </a:p>
+          <a:p>
+            <a:pPr marL="0">
+              <a:buNone/>
+            </a:pPr>
+            <a:r>
+              <a:rPr lang="en-US" dirty="0" smtClean="0"/>
+              <a:t>		‘post’ </a:t>
+            </a:r>
+            <a:r>
+              <a:rPr lang="ru-RU" dirty="0" smtClean="0"/>
+              <a:t>или </a:t>
+            </a:r>
+            <a:r>
+              <a:rPr lang="en-US" dirty="0" smtClean="0"/>
+              <a:t>‘comment’</a:t>
+            </a:r>
+            <a:r>
+              <a:rPr lang="ru-RU" dirty="0" smtClean="0"/>
+              <a:t>)</a:t>
+            </a:r>
+            <a:r>
+              <a:rPr lang="en-US" dirty="0" smtClean="0"/>
+              <a:t>&amp; \</a:t>
+            </a:r>
+            <a:endParaRPr lang="ru-RU" dirty="0" smtClean="0"/>
+          </a:p>
+          <a:p>
+            <a:pPr>
+              <a:buNone/>
+            </a:pPr>
+            <a:r>
+              <a:rPr lang="en-US" dirty="0" smtClean="0"/>
+              <a:t>owner_id=	-</a:t>
+            </a:r>
+            <a:r>
+              <a:rPr lang="ru-RU" dirty="0" smtClean="0"/>
+              <a:t>(уже знакомы нам параметр</a:t>
+            </a:r>
+            <a:r>
+              <a:rPr lang="en-US" dirty="0" smtClean="0"/>
+              <a:t>, </a:t>
+            </a:r>
+            <a:r>
+              <a:rPr lang="ru-RU" dirty="0" smtClean="0"/>
+              <a:t>в зависимости от того, что мы 				лайкаем это будет </a:t>
+            </a:r>
+            <a:r>
+              <a:rPr lang="en-US" dirty="0" smtClean="0"/>
+              <a:t>id </a:t>
+            </a:r>
+            <a:r>
+              <a:rPr lang="ru-RU" dirty="0" smtClean="0"/>
+              <a:t>группы или поста)</a:t>
+            </a:r>
+            <a:r>
+              <a:rPr lang="en-US" dirty="0" smtClean="0"/>
+              <a:t>&amp;</a:t>
+            </a:r>
+            <a:r>
+              <a:rPr lang="ru-RU" dirty="0" smtClean="0"/>
+              <a:t> \</a:t>
+            </a:r>
+          </a:p>
+          <a:p>
+            <a:pPr>
+              <a:buNone/>
+            </a:pPr>
+            <a:r>
+              <a:rPr lang="en-US" dirty="0" smtClean="0"/>
+              <a:t>item_id=</a:t>
+            </a:r>
+            <a:r>
+              <a:rPr lang="ru-RU" dirty="0" smtClean="0"/>
+              <a:t>			(индекс объекта, который будем лайкать)</a:t>
+            </a:r>
+            <a:r>
+              <a:rPr lang="en-US" dirty="0" smtClean="0"/>
+              <a:t>&amp;' </a:t>
+            </a:r>
+            <a:r>
+              <a:rPr lang="ru-RU" dirty="0" smtClean="0"/>
+              <a:t>\</a:t>
+            </a:r>
+          </a:p>
+          <a:p>
+            <a:pPr>
+              <a:buNone/>
+            </a:pPr>
+            <a:r>
+              <a:rPr lang="en-US" dirty="0" smtClean="0"/>
+              <a:t>access_token=</a:t>
+            </a:r>
+            <a:r>
+              <a:rPr lang="ru-RU" dirty="0" smtClean="0"/>
+              <a:t>	(тут токен)</a:t>
+            </a:r>
+            <a:r>
+              <a:rPr lang="en-US" dirty="0" smtClean="0"/>
+              <a:t>&amp;' \</a:t>
+            </a:r>
+            <a:endParaRPr lang="ru-RU" dirty="0" smtClean="0"/>
+          </a:p>
+          <a:p>
+            <a:pPr>
+              <a:buNone/>
+            </a:pPr>
+            <a:r>
+              <a:rPr lang="en-US" dirty="0" smtClean="0"/>
+              <a:t>v=</a:t>
+            </a:r>
+            <a:r>
+              <a:rPr lang="ru-RU" dirty="0" smtClean="0"/>
+              <a:t>	(версия </a:t>
+            </a:r>
+            <a:r>
+              <a:rPr lang="en-US" dirty="0" smtClean="0"/>
+              <a:t>5.21</a:t>
+            </a:r>
+            <a:r>
+              <a:rPr lang="ru-RU" dirty="0" smtClean="0"/>
+              <a:t>)</a:t>
+            </a:r>
+          </a:p>
+          <a:p>
+            <a:pPr>
+              <a:buNone/>
+            </a:pPr>
+            <a:endParaRPr lang="ru-RU" dirty="0" smtClean="0"/>
           </a:p>
         </p:txBody>
       </p:sp>
@@ -6411,125 +6326,88 @@
             <p:ph type="title"/>
           </p:nvPr>
         </p:nvSpPr>
-        <p:spPr>
-          <a:xfrm>
-            <a:off x="677334" y="609600"/>
-            <a:ext cx="8596668" cy="865517"/>
-          </a:xfrm>
-        </p:spPr>
+        <p:spPr/>
         <p:txBody>
           <a:bodyPr/>
           <a:lstStyle/>
           <a:p>
             <a:r>
               <a:rPr lang="ru-RU" dirty="0" smtClean="0"/>
-              <a:t>Вывод </a:t>
+              <a:t>Задание</a:t>
+            </a:r>
+            <a:endParaRPr lang="ru-RU" dirty="0"/>
+          </a:p>
+        </p:txBody>
+      </p:sp>
+      <p:sp>
+        <p:nvSpPr>
+          <p:cNvPr id="3" name="Содержимое 2"/>
+          <p:cNvSpPr>
+            <a:spLocks noGrp="1"/>
+          </p:cNvSpPr>
+          <p:nvPr>
+            <p:ph idx="1"/>
+          </p:nvPr>
+        </p:nvSpPr>
+        <p:spPr/>
+        <p:txBody>
+          <a:bodyPr/>
+          <a:lstStyle/>
+          <a:p>
+            <a:r>
+              <a:rPr lang="ru-RU" dirty="0" smtClean="0"/>
+              <a:t>Составьте запрос который будет лайкать</a:t>
             </a:r>
             <a:r>
               <a:rPr lang="en-US" dirty="0" smtClean="0"/>
-              <a:t>json </a:t>
+              <a:t> </a:t>
             </a:r>
             <a:r>
               <a:rPr lang="ru-RU" dirty="0" smtClean="0"/>
-              <a:t>в консоль</a:t>
-            </a:r>
-            <a:endParaRPr lang="ru-RU" dirty="0"/>
-          </a:p>
-        </p:txBody>
-      </p:sp>
-      <p:sp>
-        <p:nvSpPr>
-          <p:cNvPr id="3" name="Содержимое 2"/>
-          <p:cNvSpPr>
-            <a:spLocks noGrp="1"/>
-          </p:cNvSpPr>
-          <p:nvPr>
-            <p:ph idx="1"/>
-          </p:nvPr>
-        </p:nvSpPr>
-        <p:spPr>
-          <a:xfrm>
-            <a:off x="677334" y="2536166"/>
-            <a:ext cx="8596668" cy="2260121"/>
-          </a:xfrm>
-        </p:spPr>
-        <p:txBody>
-          <a:bodyPr>
-            <a:normAutofit/>
-          </a:bodyPr>
-          <a:lstStyle/>
-          <a:p>
-            <a:pPr>
-              <a:buFont typeface="Wingdings"/>
-              <a:buChar char="Ø"/>
-            </a:pPr>
+              <a:t>пост</a:t>
+            </a:r>
+          </a:p>
+          <a:p>
             <a:r>
               <a:rPr lang="ru-RU" dirty="0" smtClean="0"/>
-              <a:t>Для нашего бота нам нужен </a:t>
+              <a:t>Проверьте результат</a:t>
+            </a:r>
+          </a:p>
+          <a:p>
+            <a:endParaRPr lang="ru-RU" dirty="0" smtClean="0"/>
+          </a:p>
+          <a:p>
+            <a:r>
+              <a:rPr lang="ru-RU" dirty="0" smtClean="0"/>
+              <a:t>Добавьте в </a:t>
             </a:r>
             <a:r>
               <a:rPr lang="en-US" dirty="0" smtClean="0"/>
-              <a:t>id </a:t>
+              <a:t>methods </a:t>
             </a:r>
             <a:r>
               <a:rPr lang="ru-RU" dirty="0" smtClean="0"/>
-              <a:t>целевого объекта, на данном этапе – это послы со стены </a:t>
-            </a:r>
-            <a:r>
-              <a:rPr lang="en-US" dirty="0" err="1" smtClean="0"/>
-              <a:t>vk</a:t>
-            </a:r>
+              <a:t>новый метод </a:t>
+            </a:r>
+            <a:r>
+              <a:rPr lang="en-US" dirty="0" smtClean="0"/>
+              <a:t>likes.add?</a:t>
+            </a:r>
+            <a:endParaRPr lang="ru-RU" dirty="0" smtClean="0"/>
+          </a:p>
+          <a:p>
             <a:r>
               <a:rPr lang="ru-RU" dirty="0" smtClean="0"/>
-              <a:t>.</a:t>
-            </a:r>
-            <a:endParaRPr lang="en-US" dirty="0" smtClean="0"/>
-          </a:p>
-          <a:p>
-            <a:pPr>
-              <a:buFont typeface="Wingdings"/>
-              <a:buChar char="Ø"/>
-            </a:pPr>
+              <a:t>Сделайте из </a:t>
+            </a:r>
+            <a:r>
+              <a:rPr lang="en-US" dirty="0" smtClean="0"/>
+              <a:t>methods </a:t>
+            </a:r>
             <a:r>
               <a:rPr lang="ru-RU" dirty="0" smtClean="0"/>
-              <a:t>Давайте запросим 1 пост со стены, что бы его изучить, для этого вызовем метод бота </a:t>
-            </a:r>
-            <a:r>
-              <a:rPr lang="en-US" dirty="0" smtClean="0"/>
-              <a:t>create_url</a:t>
-            </a:r>
-            <a:r>
-              <a:rPr lang="ru-RU" dirty="0" smtClean="0"/>
-              <a:t> – и в аргументе </a:t>
-            </a:r>
-            <a:r>
-              <a:rPr lang="en-US" dirty="0" smtClean="0"/>
-              <a:t>count </a:t>
-            </a:r>
-            <a:r>
-              <a:rPr lang="ru-RU" dirty="0" smtClean="0"/>
-              <a:t>поставим 1</a:t>
-            </a:r>
-            <a:r>
-              <a:rPr lang="en-US" dirty="0" smtClean="0"/>
-              <a:t>.</a:t>
-            </a:r>
-            <a:endParaRPr lang="ru-RU" dirty="0" smtClean="0"/>
-          </a:p>
-          <a:p>
-            <a:pPr>
-              <a:buFont typeface="Wingdings"/>
-              <a:buChar char="Ø"/>
-            </a:pPr>
-            <a:r>
-              <a:rPr lang="ru-RU" dirty="0" smtClean="0"/>
-              <a:t>Затем передадим переменную с получившейся ссылкой в </a:t>
-            </a:r>
-            <a:r>
-              <a:rPr lang="en-US" dirty="0" smtClean="0"/>
-              <a:t>get_data()</a:t>
-            </a:r>
-            <a:endParaRPr lang="ru-RU" dirty="0" smtClean="0"/>
+              <a:t>словарь, к значениям которого можно будет обращаться по ключам (ключи назовите сами)</a:t>
+            </a:r>
           </a:p>
         </p:txBody>
       </p:sp>
@@ -6568,191 +6446,111 @@
             <p:ph type="title"/>
           </p:nvPr>
         </p:nvSpPr>
-        <p:spPr>
-          <a:xfrm>
-            <a:off x="677334" y="609600"/>
-            <a:ext cx="8596668" cy="1055298"/>
-          </a:xfrm>
-        </p:spPr>
+        <p:spPr/>
         <p:txBody>
           <a:bodyPr/>
           <a:lstStyle/>
           <a:p>
             <a:r>
               <a:rPr lang="ru-RU" dirty="0" smtClean="0"/>
-              <a:t>Поиск путей в </a:t>
+              <a:t>Метод бота - </a:t>
+            </a:r>
+            <a:r>
+              <a:rPr lang="en-US" dirty="0" smtClean="0"/>
+              <a:t>like</a:t>
+            </a:r>
+            <a:endParaRPr lang="ru-RU" dirty="0"/>
+          </a:p>
+        </p:txBody>
+      </p:sp>
+      <p:sp>
+        <p:nvSpPr>
+          <p:cNvPr id="3" name="Содержимое 2"/>
+          <p:cNvSpPr>
+            <a:spLocks noGrp="1"/>
+          </p:cNvSpPr>
+          <p:nvPr>
+            <p:ph idx="1"/>
+          </p:nvPr>
+        </p:nvSpPr>
+        <p:spPr/>
+        <p:txBody>
+          <a:bodyPr/>
+          <a:lstStyle/>
+          <a:p>
+            <a:r>
+              <a:rPr lang="ru-RU" dirty="0" smtClean="0"/>
+              <a:t>Дополним бота новым методом, который будет ставить </a:t>
+            </a:r>
+            <a:r>
+              <a:rPr lang="ru-RU" dirty="0" err="1" smtClean="0"/>
+              <a:t>лайк</a:t>
+            </a:r>
+            <a:endParaRPr lang="ru-RU" dirty="0" smtClean="0"/>
+          </a:p>
+          <a:p>
+            <a:r>
+              <a:rPr lang="ru-RU" dirty="0" smtClean="0"/>
+              <a:t>Для этого добавим уже сформированный нами метод для</a:t>
+            </a:r>
+            <a:r>
+              <a:rPr lang="en-US" dirty="0" smtClean="0"/>
+              <a:t> </a:t>
+            </a:r>
+            <a:r>
+              <a:rPr lang="en-US" dirty="0" err="1" smtClean="0"/>
+              <a:t>api</a:t>
+            </a:r>
+            <a:r>
+              <a:rPr lang="en-US" dirty="0" smtClean="0"/>
+              <a:t> </a:t>
+            </a:r>
+            <a:r>
+              <a:rPr lang="ru-RU" dirty="0" smtClean="0"/>
+              <a:t>запроса на постановку лайка</a:t>
+            </a:r>
+          </a:p>
+          <a:p>
+            <a:r>
+              <a:rPr lang="ru-RU" dirty="0" smtClean="0"/>
+              <a:t>Сохраним его в переменную</a:t>
+            </a:r>
+          </a:p>
+          <a:p>
+            <a:r>
+              <a:rPr lang="ru-RU" dirty="0" smtClean="0"/>
+              <a:t>И на этот раз поставим </a:t>
+            </a:r>
+            <a:r>
+              <a:rPr lang="ru-RU" dirty="0" err="1" smtClean="0"/>
+              <a:t>лайк</a:t>
+            </a:r>
+            <a:r>
+              <a:rPr lang="ru-RU" dirty="0" smtClean="0"/>
+              <a:t> при помощи </a:t>
+            </a:r>
+            <a:r>
+              <a:rPr lang="en-US" dirty="0" smtClean="0"/>
+              <a:t>requests.get</a:t>
+            </a:r>
+          </a:p>
+          <a:p>
+            <a:r>
+              <a:rPr lang="ru-RU" dirty="0" smtClean="0"/>
+              <a:t>А так же вернем </a:t>
             </a:r>
             <a:r>
               <a:rPr lang="en-US" dirty="0" smtClean="0"/>
               <a:t>json</a:t>
             </a:r>
-            <a:endParaRPr lang="ru-RU" dirty="0"/>
-          </a:p>
-        </p:txBody>
-      </p:sp>
-      <p:sp>
-        <p:nvSpPr>
-          <p:cNvPr id="3" name="Содержимое 2"/>
-          <p:cNvSpPr>
-            <a:spLocks noGrp="1"/>
-          </p:cNvSpPr>
-          <p:nvPr>
-            <p:ph idx="1"/>
-          </p:nvPr>
-        </p:nvSpPr>
-        <p:spPr/>
-        <p:txBody>
-          <a:bodyPr/>
-          <a:lstStyle/>
-          <a:p>
-            <a:pPr>
-              <a:buFont typeface="Wingdings"/>
-              <a:buChar char="Ø"/>
-            </a:pPr>
             <a:r>
               <a:rPr lang="ru-RU" dirty="0" smtClean="0"/>
-              <a:t>Перед нами разворачивается следующая транскрипция:</a:t>
-            </a:r>
-          </a:p>
-          <a:p>
-            <a:pPr lvl="1">
-              <a:buFont typeface="Wingdings"/>
-              <a:buChar char="Ø"/>
-            </a:pPr>
-            <a:r>
-              <a:rPr lang="ru-RU" dirty="0" smtClean="0"/>
-              <a:t>Первая ветвь: </a:t>
-            </a:r>
-          </a:p>
-          <a:p>
-            <a:pPr lvl="1">
-              <a:buNone/>
-            </a:pPr>
-            <a:r>
-              <a:rPr lang="en-US" dirty="0" smtClean="0">
-                <a:solidFill>
-                  <a:schemeClr val="accent1">
-                    <a:lumMod val="60000"/>
-                    <a:lumOff val="40000"/>
-                  </a:schemeClr>
-                </a:solidFill>
-              </a:rPr>
-              <a:t>response</a:t>
-            </a:r>
-            <a:r>
-              <a:rPr lang="en-US" dirty="0" smtClean="0"/>
-              <a:t> – </a:t>
-            </a:r>
-            <a:r>
-              <a:rPr lang="ru-RU" dirty="0" smtClean="0"/>
-              <a:t>содержит в себе все содержимое ответа</a:t>
-            </a:r>
-            <a:r>
-              <a:rPr lang="en-US" dirty="0" smtClean="0"/>
-              <a:t>, </a:t>
-            </a:r>
-            <a:r>
-              <a:rPr lang="ru-RU" dirty="0" smtClean="0"/>
-              <a:t>проходим по нему. Больше здесь никаких путей нет.</a:t>
-            </a:r>
-          </a:p>
-          <a:p>
-            <a:pPr lvl="1">
-              <a:buFont typeface="Wingdings"/>
-              <a:buChar char="Ø"/>
-            </a:pPr>
-            <a:r>
-              <a:rPr lang="ru-RU" dirty="0" smtClean="0"/>
-              <a:t>Далее идёт 2 ветви: </a:t>
-            </a:r>
-          </a:p>
-          <a:p>
-            <a:pPr lvl="1">
-              <a:buNone/>
-            </a:pPr>
-            <a:r>
-              <a:rPr lang="en-US" dirty="0" smtClean="0">
-                <a:solidFill>
-                  <a:schemeClr val="accent1">
-                    <a:lumMod val="60000"/>
-                    <a:lumOff val="40000"/>
-                  </a:schemeClr>
-                </a:solidFill>
-              </a:rPr>
-              <a:t>count</a:t>
-            </a:r>
-            <a:r>
-              <a:rPr lang="en-US" dirty="0" smtClean="0"/>
-              <a:t> – </a:t>
-            </a:r>
-            <a:r>
-              <a:rPr lang="ru-RU" dirty="0" smtClean="0"/>
-              <a:t>	какие то количественные данные, они нам не нужны</a:t>
-            </a:r>
-          </a:p>
-          <a:p>
-            <a:pPr lvl="1">
-              <a:buNone/>
-            </a:pPr>
-            <a:r>
-              <a:rPr lang="en-US" dirty="0" smtClean="0">
-                <a:solidFill>
-                  <a:schemeClr val="accent1">
-                    <a:lumMod val="60000"/>
-                    <a:lumOff val="40000"/>
-                  </a:schemeClr>
-                </a:solidFill>
-              </a:rPr>
-              <a:t>items</a:t>
-            </a:r>
-            <a:r>
-              <a:rPr lang="en-US" dirty="0" smtClean="0"/>
-              <a:t> – </a:t>
-            </a:r>
-            <a:r>
-              <a:rPr lang="ru-RU" dirty="0" smtClean="0"/>
-              <a:t>	содержит в себе список объектов, проходим по нему</a:t>
-            </a:r>
-          </a:p>
-          <a:p>
-            <a:pPr lvl="1">
-              <a:buFont typeface="Wingdings"/>
-              <a:buChar char="Ø"/>
-            </a:pPr>
-            <a:r>
-              <a:rPr lang="ru-RU" dirty="0" smtClean="0"/>
-              <a:t>Перед нами разворачивается список объектов, здесь всего лишь один</a:t>
-            </a:r>
-            <a:r>
-              <a:rPr lang="en-US" dirty="0" smtClean="0"/>
-              <a:t> </a:t>
-            </a:r>
-            <a:r>
-              <a:rPr lang="ru-RU" dirty="0" smtClean="0"/>
-              <a:t>объект – наш запрос, но если бы мы увеличили число </a:t>
-            </a:r>
-            <a:r>
-              <a:rPr lang="en-US" dirty="0" smtClean="0"/>
-              <a:t>count </a:t>
-            </a:r>
-            <a:r>
-              <a:rPr lang="ru-RU" dirty="0" smtClean="0"/>
-              <a:t>то их было бы</a:t>
-            </a:r>
-            <a:r>
-              <a:rPr lang="en-US" dirty="0" smtClean="0"/>
-              <a:t> </a:t>
-            </a:r>
-            <a:r>
-              <a:rPr lang="ru-RU" dirty="0" smtClean="0"/>
-              <a:t>несколько, поэтому просто разворачиваем первый и единственный.</a:t>
-            </a:r>
-          </a:p>
-          <a:p>
-            <a:pPr lvl="1">
-              <a:buNone/>
-            </a:pPr>
-            <a:endParaRPr lang="ru-RU" dirty="0" smtClean="0"/>
+              <a:t> ответ о работе метода</a:t>
+            </a:r>
+            <a:endParaRPr lang="en-US" dirty="0" smtClean="0"/>
+          </a:p>
+          <a:p>
+            <a:endParaRPr lang="en-US" dirty="0" smtClean="0"/>
           </a:p>
         </p:txBody>
       </p:sp>
@@ -6798,7 +6596,7 @@
           <a:p>
             <a:r>
               <a:rPr lang="ru-RU" dirty="0" smtClean="0"/>
-              <a:t>Задача</a:t>
+              <a:t>Задание</a:t>
             </a:r>
             <a:endParaRPr lang="ru-RU" dirty="0"/>
           </a:p>
@@ -6819,114 +6617,42 @@
           <a:bodyPr/>
           <a:lstStyle/>
           <a:p>
-            <a:pPr marL="0">
-              <a:buNone/>
-            </a:pPr>
             <a:r>
               <a:rPr lang="ru-RU" dirty="0" smtClean="0"/>
-              <a:t>На данном этапе перед нами разворачивается уже большое количество интересной информации о посте, изучите</a:t>
+              <a:t>Здесь стало заметно, что есть параметры, которые повторяются как в методе </a:t>
             </a:r>
             <a:r>
               <a:rPr lang="en-US" dirty="0" smtClean="0"/>
-              <a:t> </a:t>
+              <a:t>get_data, </a:t>
             </a:r>
             <a:r>
               <a:rPr lang="ru-RU" dirty="0" smtClean="0"/>
-              <a:t>ее</a:t>
-            </a:r>
-          </a:p>
-          <a:p>
-            <a:pPr marL="342000">
-              <a:buFont typeface="Wingdings"/>
-              <a:buChar char="Ø"/>
-            </a:pPr>
+              <a:t>так и в методе </a:t>
+            </a:r>
+            <a:r>
+              <a:rPr lang="en-US" dirty="0" smtClean="0"/>
+              <a:t>like</a:t>
+            </a:r>
+            <a:endParaRPr lang="ru-RU" dirty="0" smtClean="0"/>
+          </a:p>
+          <a:p>
             <a:r>
               <a:rPr lang="ru-RU" dirty="0" smtClean="0"/>
-              <a:t>Так </a:t>
+              <a:t>Сформируйте из них переменную </a:t>
+            </a:r>
+            <a:r>
+              <a:rPr lang="en-US" dirty="0" err="1" smtClean="0"/>
+              <a:t>base_params</a:t>
             </a:r>
             <a:r>
               <a:rPr lang="ru-RU" dirty="0" smtClean="0"/>
-              <a:t>как в </a:t>
+              <a:t> которая будет находиться в методе </a:t>
             </a:r>
             <a:r>
               <a:rPr lang="en-US" dirty="0" smtClean="0"/>
-              <a:t>items </a:t>
-            </a:r>
-            <a:r>
-              <a:rPr lang="ru-RU" dirty="0" smtClean="0"/>
-              <a:t>у нас список объектов, сделайте так, что бы обрабатывался каждый объект из </a:t>
-            </a:r>
-            <a:r>
-              <a:rPr lang="ru-RU" dirty="0" smtClean="0"/>
-              <a:t>списка</a:t>
-            </a:r>
-            <a:endParaRPr lang="en-US" dirty="0" smtClean="0"/>
-          </a:p>
-          <a:p>
-            <a:pPr marL="742050" lvl="1">
-              <a:buFont typeface="Wingdings"/>
-              <a:buChar char="Ø"/>
-            </a:pPr>
-            <a:r>
-              <a:rPr lang="ru-RU" dirty="0" smtClean="0"/>
-              <a:t>Найдите </a:t>
-            </a:r>
-            <a:r>
-              <a:rPr lang="ru-RU" dirty="0" smtClean="0"/>
-              <a:t>и вытащим </a:t>
-            </a:r>
-            <a:r>
-              <a:rPr lang="en-US" dirty="0" smtClean="0"/>
-              <a:t>id, text, </a:t>
-            </a:r>
-            <a:r>
-              <a:rPr lang="ru-RU" dirty="0" smtClean="0"/>
-              <a:t>а так же </a:t>
-            </a:r>
-            <a:r>
-              <a:rPr lang="en-US" dirty="0" smtClean="0"/>
-              <a:t>user_likes</a:t>
-            </a:r>
-            <a:r>
-              <a:rPr lang="ru-RU" dirty="0" smtClean="0"/>
-              <a:t> - он показывает поставил ли </a:t>
-            </a:r>
-            <a:r>
-              <a:rPr lang="ru-RU" dirty="0" err="1" smtClean="0"/>
-              <a:t>лайк</a:t>
-            </a:r>
-            <a:r>
-              <a:rPr lang="ru-RU" dirty="0" smtClean="0"/>
-              <a:t> данный пользователь посту или нет</a:t>
-            </a:r>
-            <a:r>
-              <a:rPr lang="ru-RU" dirty="0" smtClean="0"/>
-              <a:t>?</a:t>
-            </a:r>
-            <a:endParaRPr lang="en-US" dirty="0" smtClean="0"/>
-          </a:p>
-          <a:p>
-            <a:pPr marL="342000">
-              <a:buFont typeface="Wingdings"/>
-              <a:buChar char="Ø"/>
-            </a:pPr>
-            <a:r>
-              <a:rPr lang="en-US" dirty="0" smtClean="0"/>
-              <a:t>get_data </a:t>
-            </a:r>
-            <a:r>
-              <a:rPr lang="ru-RU" dirty="0" smtClean="0"/>
-              <a:t>должен возвращать результат</a:t>
-            </a:r>
-            <a:r>
-              <a:rPr lang="en-US" dirty="0" smtClean="0"/>
-              <a:t> </a:t>
-            </a:r>
-            <a:r>
-              <a:rPr lang="ru-RU" dirty="0" err="1" smtClean="0"/>
-              <a:t>парсинга</a:t>
-            </a:r>
-            <a:endParaRPr lang="en-US" dirty="0" smtClean="0"/>
+              <a:t>__init__</a:t>
+            </a:r>
+            <a:endParaRPr lang="ru-RU" dirty="0"/>
           </a:p>
         </p:txBody>
       </p:sp>
@@ -6971,493 +6697,68 @@
           <a:lstStyle/>
           <a:p>
             <a:r>
+              <a:rPr lang="ru-RU" dirty="0" smtClean="0"/>
+              <a:t>Задание</a:t>
+            </a:r>
+            <a:endParaRPr lang="ru-RU" dirty="0"/>
+          </a:p>
+        </p:txBody>
+      </p:sp>
+      <p:sp>
+        <p:nvSpPr>
+          <p:cNvPr id="3" name="Содержимое 2"/>
+          <p:cNvSpPr>
+            <a:spLocks noGrp="1"/>
+          </p:cNvSpPr>
+          <p:nvPr>
+            <p:ph idx="1"/>
+          </p:nvPr>
+        </p:nvSpPr>
+        <p:spPr/>
+        <p:txBody>
+          <a:bodyPr/>
+          <a:lstStyle/>
+          <a:p>
+            <a:r>
+              <a:rPr lang="ru-RU" dirty="0" smtClean="0"/>
+              <a:t>Улучшите метод </a:t>
+            </a:r>
+            <a:r>
               <a:rPr lang="en-US" dirty="0" smtClean="0"/>
-              <a:t>likes.add?</a:t>
-            </a:r>
-            <a:endParaRPr lang="ru-RU" dirty="0"/>
-          </a:p>
-        </p:txBody>
-      </p:sp>
-      <p:sp>
-        <p:nvSpPr>
-          <p:cNvPr id="3" name="Содержимое 2"/>
-          <p:cNvSpPr>
-            <a:spLocks noGrp="1"/>
-          </p:cNvSpPr>
-          <p:nvPr>
-            <p:ph idx="1"/>
-          </p:nvPr>
-        </p:nvSpPr>
-        <p:spPr>
-          <a:xfrm>
-            <a:off x="677334" y="1440611"/>
-            <a:ext cx="8596668" cy="4600751"/>
-          </a:xfrm>
-        </p:spPr>
-        <p:txBody>
-          <a:bodyPr/>
-          <a:lstStyle/>
-          <a:p>
-            <a:pPr marL="0">
-              <a:buNone/>
-            </a:pPr>
+              <a:t>like:</a:t>
+            </a:r>
+          </a:p>
+          <a:p>
+            <a:pPr lvl="1"/>
             <a:r>
               <a:rPr lang="ru-RU" dirty="0" smtClean="0"/>
-              <a:t>Теперь, когда у нас есть </a:t>
-            </a:r>
-            <a:r>
-              <a:rPr lang="en-US" dirty="0" smtClean="0"/>
-              <a:t>id </a:t>
-            </a:r>
-            <a:r>
-              <a:rPr lang="ru-RU" dirty="0" smtClean="0"/>
-              <a:t>объекта мы можем поставить ему </a:t>
+              <a:t>Добавьте условие при котором бот не будет лайкать пост если у него уже стоит </a:t>
             </a:r>
             <a:r>
               <a:rPr lang="ru-RU" dirty="0" err="1" smtClean="0"/>
               <a:t>лайк</a:t>
             </a:r>
+            <a:endParaRPr lang="ru-RU" dirty="0" smtClean="0"/>
+          </a:p>
+          <a:p>
+            <a:pPr lvl="1"/>
             <a:r>
               <a:rPr lang="ru-RU" dirty="0" smtClean="0"/>
-              <a:t> (добавить объект в список понравившихся, данного пользователя):</a:t>
-            </a:r>
-          </a:p>
-          <a:p>
+              <a:t>Сделайте так, что бы метод возвращал число постов</a:t>
+            </a:r>
+            <a:r>
+              <a:rPr lang="ru-RU" smtClean="0"/>
+              <a:t>, которые </a:t>
+            </a:r>
             <a:r>
               <a:rPr lang="ru-RU" dirty="0" smtClean="0"/>
-              <a:t>Для этого вытащим </a:t>
-            </a:r>
-            <a:r>
-              <a:rPr lang="en-US" dirty="0" smtClean="0"/>
-              <a:t>base_url </a:t>
-            </a:r>
-            <a:r>
-              <a:rPr lang="ru-RU" dirty="0" smtClean="0"/>
-              <a:t>из класса бот, </a:t>
-            </a:r>
-          </a:p>
-          <a:p>
-            <a:r>
-              <a:rPr lang="ru-RU" dirty="0" smtClean="0"/>
-              <a:t>Добавим к нему метод </a:t>
-            </a:r>
-            <a:r>
-              <a:rPr lang="en-US" dirty="0" smtClean="0"/>
-              <a:t>likes.add?</a:t>
-            </a:r>
-            <a:endParaRPr lang="ru-RU" dirty="0" smtClean="0"/>
-          </a:p>
-          <a:p>
-            <a:r>
-              <a:rPr lang="ru-RU" dirty="0" smtClean="0"/>
-              <a:t>Добавим параметры метода</a:t>
-            </a:r>
-          </a:p>
-          <a:p>
-            <a:pPr marL="0">
-              <a:buNone/>
-            </a:pPr>
-            <a:r>
-              <a:rPr lang="en-US" dirty="0" smtClean="0"/>
-              <a:t>type=	</a:t>
-            </a:r>
-            <a:r>
-              <a:rPr lang="ru-RU" dirty="0" smtClean="0"/>
-              <a:t>(принимает тип объекта, который будем лайкать, например: </a:t>
-            </a:r>
-            <a:endParaRPr lang="en-US" dirty="0" smtClean="0"/>
-          </a:p>
-          <a:p>
-            <a:pPr marL="0">
-              <a:buNone/>
-            </a:pPr>
-            <a:r>
-              <a:rPr lang="en-US" dirty="0" smtClean="0"/>
-              <a:t>		‘post’ </a:t>
-            </a:r>
-            <a:r>
-              <a:rPr lang="ru-RU" dirty="0" smtClean="0"/>
-              <a:t>или </a:t>
-            </a:r>
-            <a:r>
-              <a:rPr lang="en-US" dirty="0" smtClean="0"/>
-              <a:t>‘comment’</a:t>
-            </a:r>
-            <a:r>
-              <a:rPr lang="ru-RU" dirty="0" smtClean="0"/>
-              <a:t>)</a:t>
-            </a:r>
-            <a:r>
-              <a:rPr lang="en-US" dirty="0" smtClean="0"/>
-              <a:t>&amp; \</a:t>
-            </a:r>
-            <a:endParaRPr lang="ru-RU" dirty="0" smtClean="0"/>
-          </a:p>
-          <a:p>
-            <a:pPr>
-              <a:buNone/>
-            </a:pPr>
-            <a:r>
-              <a:rPr lang="en-US" dirty="0" smtClean="0"/>
-              <a:t>owner_id=	-</a:t>
-            </a:r>
-            <a:r>
-              <a:rPr lang="ru-RU" dirty="0" smtClean="0"/>
-              <a:t>(уже знакомы нам параметр</a:t>
-            </a:r>
-            <a:r>
-              <a:rPr lang="en-US" dirty="0" smtClean="0"/>
-              <a:t>, </a:t>
-            </a:r>
-            <a:r>
-              <a:rPr lang="ru-RU" dirty="0" smtClean="0"/>
-              <a:t>в зависимости от того, что мы 				лайкаем это будет </a:t>
-            </a:r>
-            <a:r>
-              <a:rPr lang="en-US" dirty="0" smtClean="0"/>
-              <a:t>id </a:t>
-            </a:r>
-            <a:r>
-              <a:rPr lang="ru-RU" dirty="0" smtClean="0"/>
-              <a:t>группы или поста)</a:t>
-            </a:r>
-            <a:r>
-              <a:rPr lang="en-US" dirty="0" smtClean="0"/>
-              <a:t>&amp;</a:t>
-            </a:r>
-            <a:r>
-              <a:rPr lang="ru-RU" dirty="0" smtClean="0"/>
-              <a:t> \</a:t>
-            </a:r>
-          </a:p>
-          <a:p>
-            <a:pPr>
-              <a:buNone/>
-            </a:pPr>
-            <a:r>
-              <a:rPr lang="en-US" dirty="0" smtClean="0"/>
-              <a:t>item_id=</a:t>
-            </a:r>
-            <a:r>
-              <a:rPr lang="ru-RU" dirty="0" smtClean="0"/>
-              <a:t>			(индекс объекта, который будем лайкать)</a:t>
-            </a:r>
-            <a:r>
-              <a:rPr lang="en-US" dirty="0" smtClean="0"/>
-              <a:t>&amp;' </a:t>
-            </a:r>
-            <a:r>
-              <a:rPr lang="ru-RU" dirty="0" smtClean="0"/>
-              <a:t>\</a:t>
-            </a:r>
-          </a:p>
-          <a:p>
-            <a:pPr>
-              <a:buNone/>
-            </a:pPr>
-            <a:r>
-              <a:rPr lang="en-US" dirty="0" smtClean="0"/>
-              <a:t>access_token=</a:t>
-            </a:r>
-            <a:r>
-              <a:rPr lang="ru-RU" dirty="0" smtClean="0"/>
-              <a:t>	(тут токен)</a:t>
-            </a:r>
-            <a:r>
-              <a:rPr lang="en-US" dirty="0" smtClean="0"/>
-              <a:t>&amp;' \</a:t>
-            </a:r>
-            <a:endParaRPr lang="ru-RU" dirty="0" smtClean="0"/>
-          </a:p>
-          <a:p>
-            <a:pPr>
-              <a:buNone/>
-            </a:pPr>
-            <a:r>
-              <a:rPr lang="en-US" dirty="0" smtClean="0"/>
-              <a:t>v=</a:t>
-            </a:r>
-            <a:r>
-              <a:rPr lang="ru-RU" dirty="0" smtClean="0"/>
-              <a:t>	(версия </a:t>
-            </a:r>
-            <a:r>
-              <a:rPr lang="en-US" dirty="0" smtClean="0"/>
-              <a:t>5.21</a:t>
-            </a:r>
-            <a:r>
-              <a:rPr lang="ru-RU" dirty="0" smtClean="0"/>
-              <a:t>)</a:t>
-            </a:r>
-          </a:p>
-          <a:p>
-            <a:pPr>
-              <a:buNone/>
-            </a:pPr>
-            <a:endParaRPr lang="ru-RU" dirty="0" smtClean="0"/>
-          </a:p>
-        </p:txBody>
-      </p:sp>
-    </p:spTree>
-  </p:cSld>
-  <p:clrMapOvr>
-    <a:masterClrMapping/>
-  </p:clrMapOvr>
-</p:sld>
-</file>
-
-<file path=ppt/slides/slide8.xml><?xml version="1.0" encoding="utf-8"?>
-<p:sld xmlns:a="http://schemas.openxmlformats.org/drawingml/2006/main" xmlns:r="http://schemas.openxmlformats.org/officeDocument/2006/relationships" xmlns:p="http://schemas.openxmlformats.org/presentationml/2006/main">
-  <p:cSld>
-    <p:spTree>
-      <p:nvGrpSpPr>
-        <p:cNvPr id="1" name=""/>
-        <p:cNvGrpSpPr/>
-        <p:nvPr/>
-      </p:nvGrpSpPr>
-      <p:grpSpPr>
-        <a:xfrm>
-          <a:off x="0" y="0"/>
-          <a:ext cx="0" cy="0"/>
-          <a:chOff x="0" y="0"/>
-          <a:chExt cx="0" cy="0"/>
-        </a:xfrm>
-      </p:grpSpPr>
-      <p:sp>
-        <p:nvSpPr>
-          <p:cNvPr id="2" name="Заголовок 1"/>
-          <p:cNvSpPr>
-            <a:spLocks noGrp="1"/>
-          </p:cNvSpPr>
-          <p:nvPr>
-            <p:ph type="title"/>
-          </p:nvPr>
-        </p:nvSpPr>
-        <p:spPr/>
-        <p:txBody>
-          <a:bodyPr/>
-          <a:lstStyle/>
-          <a:p>
-            <a:r>
-              <a:rPr lang="ru-RU" dirty="0" smtClean="0"/>
-              <a:t>Задание</a:t>
+              <a:t>он </a:t>
+            </a:r>
+            <a:r>
+              <a:rPr lang="ru-RU" dirty="0" err="1" smtClean="0"/>
+              <a:t>лайкнул</a:t>
             </a:r>
             <a:endParaRPr lang="ru-RU" dirty="0"/>
-          </a:p>
-        </p:txBody>
-      </p:sp>
-      <p:sp>
-        <p:nvSpPr>
-          <p:cNvPr id="3" name="Содержимое 2"/>
-          <p:cNvSpPr>
-            <a:spLocks noGrp="1"/>
-          </p:cNvSpPr>
-          <p:nvPr>
-            <p:ph idx="1"/>
-          </p:nvPr>
-        </p:nvSpPr>
-        <p:spPr/>
-        <p:txBody>
-          <a:bodyPr/>
-          <a:lstStyle/>
-          <a:p>
-            <a:r>
-              <a:rPr lang="ru-RU" dirty="0" smtClean="0"/>
-              <a:t>Составьте запрос который будет лайкать</a:t>
-            </a:r>
-            <a:r>
-              <a:rPr lang="en-US" dirty="0" smtClean="0"/>
-              <a:t> </a:t>
-            </a:r>
-            <a:r>
-              <a:rPr lang="ru-RU" dirty="0" smtClean="0"/>
-              <a:t>пост</a:t>
-            </a:r>
-          </a:p>
-          <a:p>
-            <a:r>
-              <a:rPr lang="ru-RU" dirty="0" smtClean="0"/>
-              <a:t>Проверьте результат</a:t>
-            </a:r>
-          </a:p>
-          <a:p>
-            <a:endParaRPr lang="ru-RU" dirty="0" smtClean="0"/>
-          </a:p>
-          <a:p>
-            <a:r>
-              <a:rPr lang="ru-RU" dirty="0" smtClean="0"/>
-              <a:t>Добавьте в </a:t>
-            </a:r>
-            <a:r>
-              <a:rPr lang="en-US" dirty="0" smtClean="0"/>
-              <a:t>methods </a:t>
-            </a:r>
-            <a:r>
-              <a:rPr lang="ru-RU" dirty="0" smtClean="0"/>
-              <a:t>новый метод </a:t>
-            </a:r>
-            <a:r>
-              <a:rPr lang="en-US" dirty="0" smtClean="0"/>
-              <a:t>likes.add?</a:t>
-            </a:r>
-            <a:endParaRPr lang="ru-RU" dirty="0" smtClean="0"/>
-          </a:p>
-          <a:p>
-            <a:r>
-              <a:rPr lang="ru-RU" dirty="0" smtClean="0"/>
-              <a:t>Сделайте из </a:t>
-            </a:r>
-            <a:r>
-              <a:rPr lang="en-US" dirty="0" smtClean="0"/>
-              <a:t>methods </a:t>
-            </a:r>
-            <a:r>
-              <a:rPr lang="ru-RU" dirty="0" smtClean="0"/>
-              <a:t>словарь, к значениям которого можно будет обращаться по ключам (ключи назовите сами)</a:t>
-            </a:r>
-          </a:p>
-        </p:txBody>
-      </p:sp>
-    </p:spTree>
-  </p:cSld>
-  <p:clrMapOvr>
-    <a:masterClrMapping/>
-  </p:clrMapOvr>
-</p:sld>
-</file>
-
-<file path=ppt/slides/slide9.xml><?xml version="1.0" encoding="utf-8"?>
-<p:sld xmlns:a="http://schemas.openxmlformats.org/drawingml/2006/main" xmlns:r="http://schemas.openxmlformats.org/officeDocument/2006/relationships" xmlns:p="http://schemas.openxmlformats.org/presentationml/2006/main">
-  <p:cSld>
-    <p:spTree>
-      <p:nvGrpSpPr>
-        <p:cNvPr id="1" name=""/>
-        <p:cNvGrpSpPr/>
-        <p:nvPr/>
-      </p:nvGrpSpPr>
-      <p:grpSpPr>
-        <a:xfrm>
-          <a:off x="0" y="0"/>
-          <a:ext cx="0" cy="0"/>
-          <a:chOff x="0" y="0"/>
-          <a:chExt cx="0" cy="0"/>
-        </a:xfrm>
-      </p:grpSpPr>
-      <p:sp>
-        <p:nvSpPr>
-          <p:cNvPr id="2" name="Заголовок 1"/>
-          <p:cNvSpPr>
-            <a:spLocks noGrp="1"/>
-          </p:cNvSpPr>
-          <p:nvPr>
-            <p:ph type="title"/>
-          </p:nvPr>
-        </p:nvSpPr>
-        <p:spPr/>
-        <p:txBody>
-          <a:bodyPr/>
-          <a:lstStyle/>
-          <a:p>
-            <a:r>
-              <a:rPr lang="ru-RU" dirty="0" smtClean="0"/>
-              <a:t>Метод бота - </a:t>
-            </a:r>
-            <a:r>
-              <a:rPr lang="en-US" dirty="0" smtClean="0"/>
-              <a:t>like</a:t>
-            </a:r>
-            <a:endParaRPr lang="ru-RU" dirty="0"/>
-          </a:p>
-        </p:txBody>
-      </p:sp>
-      <p:sp>
-        <p:nvSpPr>
-          <p:cNvPr id="3" name="Содержимое 2"/>
-          <p:cNvSpPr>
-            <a:spLocks noGrp="1"/>
-          </p:cNvSpPr>
-          <p:nvPr>
-            <p:ph idx="1"/>
-          </p:nvPr>
-        </p:nvSpPr>
-        <p:spPr/>
-        <p:txBody>
-          <a:bodyPr/>
-          <a:lstStyle/>
-          <a:p>
-            <a:r>
-              <a:rPr lang="ru-RU" dirty="0" smtClean="0"/>
-              <a:t>Дополним бота новым методом, который будет ставить </a:t>
-            </a:r>
-            <a:r>
-              <a:rPr lang="ru-RU" dirty="0" err="1" smtClean="0"/>
-              <a:t>лайк</a:t>
-            </a:r>
-            <a:endParaRPr lang="ru-RU" dirty="0" smtClean="0"/>
-          </a:p>
-          <a:p>
-            <a:r>
-              <a:rPr lang="ru-RU" dirty="0" smtClean="0"/>
-              <a:t>Для этого добавим уже сформированный нами метод для</a:t>
-            </a:r>
-            <a:r>
-              <a:rPr lang="en-US" dirty="0" smtClean="0"/>
-              <a:t> </a:t>
-            </a:r>
-            <a:r>
-              <a:rPr lang="en-US" dirty="0" err="1" smtClean="0"/>
-              <a:t>api</a:t>
-            </a:r>
-            <a:r>
-              <a:rPr lang="en-US" dirty="0" smtClean="0"/>
-              <a:t> </a:t>
-            </a:r>
-            <a:r>
-              <a:rPr lang="ru-RU" dirty="0" smtClean="0"/>
-              <a:t>запроса на постановку лайка</a:t>
-            </a:r>
-          </a:p>
-          <a:p>
-            <a:r>
-              <a:rPr lang="ru-RU" dirty="0" smtClean="0"/>
-              <a:t>Сохраним его в переменную</a:t>
-            </a:r>
-          </a:p>
-          <a:p>
-            <a:r>
-              <a:rPr lang="ru-RU" dirty="0" smtClean="0"/>
-              <a:t>И на этот раз поставим </a:t>
-            </a:r>
-            <a:r>
-              <a:rPr lang="ru-RU" dirty="0" err="1" smtClean="0"/>
-              <a:t>лайк</a:t>
-            </a:r>
-            <a:r>
-              <a:rPr lang="ru-RU" dirty="0" smtClean="0"/>
-              <a:t> при помощи </a:t>
-            </a:r>
-            <a:r>
-              <a:rPr lang="en-US" dirty="0" smtClean="0"/>
-              <a:t>requests.get</a:t>
-            </a:r>
-          </a:p>
-          <a:p>
-            <a:r>
-              <a:rPr lang="ru-RU" dirty="0" smtClean="0"/>
-              <a:t>А так же вернем </a:t>
-            </a:r>
-            <a:r>
-              <a:rPr lang="en-US" dirty="0" smtClean="0"/>
-              <a:t>json</a:t>
-            </a:r>
-            <a:r>
-              <a:rPr lang="ru-RU" dirty="0" smtClean="0"/>
-              <a:t> ответ о работе метода</a:t>
-            </a:r>
-            <a:endParaRPr lang="en-US" dirty="0" smtClean="0"/>
-          </a:p>
-          <a:p>
-            <a:endParaRPr lang="en-US" dirty="0" smtClean="0"/>
           </a:p>
         </p:txBody>
       </p:sp>
@@ -7720,7 +7021,7 @@
   <a:extraClrSchemeLst/>
   <a:extLst>
     <a:ext uri="{05A4C25C-085E-4340-85A3-A5531E510DB2}">
-      <thm15:themeFamily xmlns="" xmlns:thm15="http://schemas.microsoft.com/office/thememl/2012/main" name="Facet" id="{C0C680CD-088A-49FC-A102-D699147F32B2}" vid="{8C59B386-999D-4CB6-B907-9F3997C027CC}"/>
+      <thm15:themeFamily xmlns:thm15="http://schemas.microsoft.com/office/thememl/2012/main" xmlns="" name="Facet" id="{C0C680CD-088A-49FC-A102-D699147F32B2}" vid="{8C59B386-999D-4CB6-B907-9F3997C027CC}"/>
     </a:ext>
   </a:extLst>
 </a:theme>
